--- a/org.faktorips.doc/schulung/anwendungsentwicklung2/FaktorIPS-Schulung 4-A - Customizing der Produktdefinitionsperspektive.pptx
+++ b/org.faktorips.doc/schulung/anwendungsentwicklung2/FaktorIPS-Schulung 4-A - Customizing der Produktdefinitionsperspektive.pptx
@@ -1574,7 +1574,7 @@
           <a:p>
             <a:fld id="{7B5CD360-F8DA-4D94-B028-714C527B1DFF}" type="datetime1">
               <a:rPr lang="de-DE" smtClean="0"/>
-              <a:t>17.05.2013</a:t>
+              <a:t>15.04.2015</a:t>
             </a:fld>
             <a:endParaRPr lang="de-DE" dirty="0"/>
           </a:p>
@@ -2907,7 +2907,7 @@
           <a:p>
             <a:fld id="{F3954DCC-5C9B-4CB1-8EED-22E8DF649B99}" type="datetime1">
               <a:rPr lang="de-DE" smtClean="0"/>
-              <a:t>17.05.2013</a:t>
+              <a:t>15.04.2015</a:t>
             </a:fld>
             <a:endParaRPr lang="de-DE" dirty="0"/>
           </a:p>
@@ -3104,7 +3104,7 @@
           <a:p>
             <a:fld id="{0908E59E-9F39-43B0-A7F5-698F73E158CD}" type="datetime1">
               <a:rPr lang="de-DE" smtClean="0"/>
-              <a:t>17.05.2013</a:t>
+              <a:t>15.04.2015</a:t>
             </a:fld>
             <a:endParaRPr lang="de-DE" dirty="0"/>
           </a:p>
@@ -4046,7 +4046,7 @@
           <a:p>
             <a:fld id="{D37F82CD-31C8-4445-A51E-8A4C9684E800}" type="datetime1">
               <a:rPr lang="de-DE" smtClean="0"/>
-              <a:t>17.05.2013</a:t>
+              <a:t>15.04.2015</a:t>
             </a:fld>
             <a:endParaRPr lang="de-DE" dirty="0"/>
           </a:p>
@@ -4223,7 +4223,7 @@
           <a:p>
             <a:fld id="{3873F173-4728-4BEE-8D9C-6C8C1E6AEB02}" type="datetime1">
               <a:rPr lang="de-DE" smtClean="0"/>
-              <a:t>17.05.2013</a:t>
+              <a:t>15.04.2015</a:t>
             </a:fld>
             <a:endParaRPr lang="de-DE" dirty="0"/>
           </a:p>
@@ -4428,7 +4428,7 @@
           <a:p>
             <a:fld id="{E1989F6B-BF25-4CE3-94E4-4B432D5B4C6F}" type="datetime1">
               <a:rPr lang="de-DE" smtClean="0"/>
-              <a:t>17.05.2013</a:t>
+              <a:t>15.04.2015</a:t>
             </a:fld>
             <a:endParaRPr lang="de-DE" dirty="0"/>
           </a:p>
@@ -4600,7 +4600,7 @@
           <a:p>
             <a:fld id="{D84225E1-F624-4EBA-9C0D-6076947DC5A8}" type="datetime1">
               <a:rPr lang="de-DE" smtClean="0"/>
-              <a:t>17.05.2013</a:t>
+              <a:t>15.04.2015</a:t>
             </a:fld>
             <a:endParaRPr lang="de-DE" dirty="0"/>
           </a:p>
@@ -4821,7 +4821,7 @@
           <a:p>
             <a:fld id="{08A71EDE-CD59-4A79-A0FE-9D1C5A0077FD}" type="datetime1">
               <a:rPr lang="de-DE" smtClean="0"/>
-              <a:t>17.05.2013</a:t>
+              <a:t>15.04.2015</a:t>
             </a:fld>
             <a:endParaRPr lang="de-DE" dirty="0"/>
           </a:p>
@@ -5019,7 +5019,7 @@
           <a:p>
             <a:fld id="{DD7EDC2C-0A5D-441A-A259-D0A227F459E7}" type="datetime1">
               <a:rPr lang="de-DE" smtClean="0"/>
-              <a:t>17.05.2013</a:t>
+              <a:t>15.04.2015</a:t>
             </a:fld>
             <a:endParaRPr lang="de-DE" dirty="0"/>
           </a:p>
@@ -6286,7 +6286,7 @@
           <a:p>
             <a:fld id="{CC05E2E2-AE4D-4419-B879-91BD3D90315D}" type="datetime1">
               <a:rPr lang="de-DE" smtClean="0"/>
-              <a:t>17.05.2013</a:t>
+              <a:t>15.04.2015</a:t>
             </a:fld>
             <a:endParaRPr lang="de-DE" dirty="0"/>
           </a:p>
@@ -7274,7 +7274,7 @@
           <a:p>
             <a:fld id="{2D1744C7-9A74-4426-A3AB-1D0597E11B4C}" type="datetime1">
               <a:rPr lang="de-DE" smtClean="0"/>
-              <a:t>17.05.2013</a:t>
+              <a:t>15.04.2015</a:t>
             </a:fld>
             <a:endParaRPr lang="de-DE" dirty="0"/>
           </a:p>
@@ -7845,7 +7845,7 @@
           <a:p>
             <a:fld id="{5F12D4CF-F679-4863-9E46-D057547F1D39}" type="datetime1">
               <a:rPr lang="de-DE" smtClean="0"/>
-              <a:t>17.05.2013</a:t>
+              <a:t>15.04.2015</a:t>
             </a:fld>
             <a:endParaRPr lang="de-DE" dirty="0"/>
           </a:p>
@@ -9336,7 +9336,7 @@
           <a:p>
             <a:fld id="{D73968EA-39DD-40AD-BD30-15DF6E1A6F45}" type="datetime1">
               <a:rPr lang="de-DE" smtClean="0"/>
-              <a:t>17.05.2013</a:t>
+              <a:t>15.04.2015</a:t>
             </a:fld>
             <a:endParaRPr lang="de-DE" dirty="0"/>
           </a:p>
@@ -9972,7 +9972,7 @@
                   <a:srgbClr val="FFFFFF"/>
                 </a:solidFill>
               </a:rPr>
-              <a:t>17.05.2013</a:t>
+              <a:t>15.04.2015</a:t>
             </a:fld>
             <a:endParaRPr lang="de-DE" dirty="0">
               <a:solidFill>
@@ -10609,7 +10609,7 @@
                   <a:srgbClr val="FFFFFF"/>
                 </a:solidFill>
               </a:rPr>
-              <a:t>17.05.2013</a:t>
+              <a:t>15.04.2015</a:t>
             </a:fld>
             <a:endParaRPr lang="de-DE" dirty="0">
               <a:solidFill>
@@ -13034,7 +13034,6 @@
                         <a:rPr lang="de-DE" sz="2400" b="1" dirty="0" smtClean="0"/>
                         <a:t>        Produktdefinitionsperspektive</a:t>
                       </a:r>
-                      <a:endParaRPr lang="de-DE" sz="2400" b="1" dirty="0" smtClean="0"/>
                     </a:p>
                   </a:txBody>
                   <a:tcPr marL="90000" marR="90000" marT="54000" marB="54000" anchor="ctr" horzOverflow="overflow">
@@ -13788,6 +13787,13 @@
   <p:transition spd="slow">
     <p:fade/>
   </p:transition>
+  <p:timing>
+    <p:tnLst>
+      <p:par>
+        <p:cTn id="1" dur="indefinite" restart="never" nodeType="tmRoot"/>
+      </p:par>
+    </p:tnLst>
+  </p:timing>
 </p:sld>
 </file>
 
@@ -13829,7 +13835,7 @@
                   <a:srgbClr val="FFFFFF"/>
                 </a:solidFill>
               </a:rPr>
-              <a:t>17.05.2013</a:t>
+              <a:t>15.04.2015</a:t>
             </a:fld>
             <a:endParaRPr lang="de-DE" dirty="0">
               <a:solidFill>
@@ -13902,7 +13908,7 @@
         </p:nvSpPr>
         <p:spPr>
           <a:xfrm>
-            <a:off x="0" y="1376363"/>
+            <a:off x="252000" y="1339893"/>
             <a:ext cx="7280275" cy="4246562"/>
           </a:xfrm>
           <a:ln/>
@@ -14211,7 +14217,7 @@
                   <a:srgbClr val="FFFFFF"/>
                 </a:solidFill>
               </a:rPr>
-              <a:t>17.05.2013</a:t>
+              <a:t>15.04.2015</a:t>
             </a:fld>
             <a:endParaRPr lang="de-DE" dirty="0">
               <a:solidFill>
@@ -14284,7 +14290,7 @@
         </p:nvSpPr>
         <p:spPr>
           <a:xfrm>
-            <a:off x="0" y="1412875"/>
+            <a:off x="252000" y="1412875"/>
             <a:ext cx="7280275" cy="4246563"/>
           </a:xfrm>
           <a:ln/>
@@ -14358,14 +14364,10 @@
             </a:pPr>
             <a:r>
               <a:rPr lang="de-DE" dirty="0"/>
-              <a:t>Für viele Modellelemente z.B. Attribute, Assoziationen, Modelltypen, … können Labels hinterlegt werden. Labels werden anstatt </a:t>
-            </a:r>
-            <a:r>
-              <a:rPr lang="de-DE"/>
-              <a:t>der </a:t>
-            </a:r>
-            <a:r>
-              <a:rPr lang="de-DE" smtClean="0"/>
+              <a:t>Für viele Modellelemente z.B. Attribute, Assoziationen, Modelltypen, … können Labels hinterlegt werden. Labels werden anstatt der </a:t>
+            </a:r>
+            <a:r>
+              <a:rPr lang="de-DE" dirty="0" smtClean="0"/>
               <a:t>Modellnamen </a:t>
             </a:r>
             <a:r>
@@ -14595,7 +14597,7 @@
                   <a:srgbClr val="FFFFFF"/>
                 </a:solidFill>
               </a:rPr>
-              <a:t>17.05.2013</a:t>
+              <a:t>15.04.2015</a:t>
             </a:fld>
             <a:endParaRPr lang="de-DE" dirty="0">
               <a:solidFill>
@@ -14668,7 +14670,7 @@
         </p:nvSpPr>
         <p:spPr>
           <a:xfrm>
-            <a:off x="0" y="1412875"/>
+            <a:off x="251391" y="1412875"/>
             <a:ext cx="7280275" cy="4244975"/>
           </a:xfrm>
           <a:ln/>
@@ -15046,7 +15048,7 @@
                   <a:srgbClr val="FFFFFF"/>
                 </a:solidFill>
               </a:rPr>
-              <a:t>17.05.2013</a:t>
+              <a:t>15.04.2015</a:t>
             </a:fld>
             <a:endParaRPr lang="de-DE" dirty="0">
               <a:solidFill>
